--- a/Google TensorFlow 2.pptx
+++ b/Google TensorFlow 2.pptx
@@ -7,8 +7,9 @@
   <p:sldIdLst>
     <p:sldId id="256" r:id="rId2"/>
     <p:sldId id="258" r:id="rId3"/>
-    <p:sldId id="257" r:id="rId4"/>
-    <p:sldId id="259" r:id="rId5"/>
+    <p:sldId id="260" r:id="rId4"/>
+    <p:sldId id="257" r:id="rId5"/>
+    <p:sldId id="259" r:id="rId6"/>
   </p:sldIdLst>
   <p:sldSz cx="12192000" cy="6858000"/>
   <p:notesSz cx="6858000" cy="9144000"/>
@@ -6018,6 +6019,114 @@
           <p:cNvPr id="2" name="標題 1">
             <a:extLst>
               <a:ext uri="{FF2B5EF4-FFF2-40B4-BE49-F238E27FC236}">
+                <a16:creationId xmlns:a16="http://schemas.microsoft.com/office/drawing/2014/main" id="{FD190455-51A7-412D-A3A3-59B34080CFB0}"/>
+              </a:ext>
+            </a:extLst>
+          </p:cNvPr>
+          <p:cNvSpPr>
+            <a:spLocks noGrp="1"/>
+          </p:cNvSpPr>
+          <p:nvPr>
+            <p:ph type="title"/>
+          </p:nvPr>
+        </p:nvSpPr>
+        <p:spPr/>
+        <p:txBody>
+          <a:bodyPr/>
+          <a:lstStyle/>
+          <a:p>
+            <a:r>
+              <a:rPr lang="en-US" altLang="zh-TW" dirty="0"/>
+              <a:t>Install environment in window10</a:t>
+            </a:r>
+            <a:endParaRPr lang="zh-TW" altLang="en-US" dirty="0"/>
+          </a:p>
+        </p:txBody>
+      </p:sp>
+      <p:sp>
+        <p:nvSpPr>
+          <p:cNvPr id="3" name="內容版面配置區 2">
+            <a:extLst>
+              <a:ext uri="{FF2B5EF4-FFF2-40B4-BE49-F238E27FC236}">
+                <a16:creationId xmlns:a16="http://schemas.microsoft.com/office/drawing/2014/main" id="{263184FE-E6D7-464B-8975-80FDDA98C421}"/>
+              </a:ext>
+            </a:extLst>
+          </p:cNvPr>
+          <p:cNvSpPr>
+            <a:spLocks noGrp="1"/>
+          </p:cNvSpPr>
+          <p:nvPr>
+            <p:ph idx="1"/>
+          </p:nvPr>
+        </p:nvSpPr>
+        <p:spPr/>
+        <p:txBody>
+          <a:bodyPr/>
+          <a:lstStyle/>
+          <a:p>
+            <a:r>
+              <a:rPr lang="zh-TW" altLang="en-US" dirty="0"/>
+              <a:t>可以參考</a:t>
+            </a:r>
+            <a:r>
+              <a:rPr lang="en-US" altLang="zh-TW" dirty="0"/>
+              <a:t>: </a:t>
+            </a:r>
+            <a:r>
+              <a:rPr lang="en-US" altLang="zh-TW" dirty="0">
+                <a:hlinkClick r:id="rId2"/>
+              </a:rPr>
+              <a:t>https://www.youtube.com/watch?v=9LEwsk8dR3o</a:t>
+            </a:r>
+            <a:endParaRPr lang="en-US" altLang="zh-TW" dirty="0"/>
+          </a:p>
+          <a:p>
+            <a:r>
+              <a:rPr lang="zh-TW" altLang="en-US" dirty="0"/>
+              <a:t>用</a:t>
+            </a:r>
+            <a:r>
+              <a:rPr lang="en-US" altLang="zh-TW" dirty="0"/>
+              <a:t>anaconda install. </a:t>
+            </a:r>
+          </a:p>
+        </p:txBody>
+      </p:sp>
+    </p:spTree>
+    <p:extLst>
+      <p:ext uri="{BB962C8B-B14F-4D97-AF65-F5344CB8AC3E}">
+        <p14:creationId xmlns:p14="http://schemas.microsoft.com/office/powerpoint/2010/main" val="4286087777"/>
+      </p:ext>
+    </p:extLst>
+  </p:cSld>
+  <p:clrMapOvr>
+    <a:masterClrMapping/>
+  </p:clrMapOvr>
+</p:sld>
+</file>
+
+<file path=ppt/slides/slide4.xml><?xml version="1.0" encoding="utf-8"?>
+<p:sld xmlns:a="http://schemas.openxmlformats.org/drawingml/2006/main" xmlns:r="http://schemas.openxmlformats.org/officeDocument/2006/relationships" xmlns:p="http://schemas.openxmlformats.org/presentationml/2006/main">
+  <p:cSld>
+    <p:spTree>
+      <p:nvGrpSpPr>
+        <p:cNvPr id="1" name=""/>
+        <p:cNvGrpSpPr/>
+        <p:nvPr/>
+      </p:nvGrpSpPr>
+      <p:grpSpPr>
+        <a:xfrm>
+          <a:off x="0" y="0"/>
+          <a:ext cx="0" cy="0"/>
+          <a:chOff x="0" y="0"/>
+          <a:chExt cx="0" cy="0"/>
+        </a:xfrm>
+      </p:grpSpPr>
+      <p:sp>
+        <p:nvSpPr>
+          <p:cNvPr id="2" name="標題 1">
+            <a:extLst>
+              <a:ext uri="{FF2B5EF4-FFF2-40B4-BE49-F238E27FC236}">
                 <a16:creationId xmlns:a16="http://schemas.microsoft.com/office/drawing/2014/main" id="{18E0C98E-68D9-44CA-9E31-717EA72CF5DD}"/>
               </a:ext>
             </a:extLst>
@@ -6218,7 +6327,7 @@
 </p:sld>
 </file>
 
-<file path=ppt/slides/slide4.xml><?xml version="1.0" encoding="utf-8"?>
+<file path=ppt/slides/slide5.xml><?xml version="1.0" encoding="utf-8"?>
 <p:sld xmlns:a="http://schemas.openxmlformats.org/drawingml/2006/main" xmlns:r="http://schemas.openxmlformats.org/officeDocument/2006/relationships" xmlns:p="http://schemas.openxmlformats.org/presentationml/2006/main">
   <p:cSld>
     <p:spTree>

--- a/Google TensorFlow 2.pptx
+++ b/Google TensorFlow 2.pptx
@@ -10,6 +10,7 @@
     <p:sldId id="260" r:id="rId4"/>
     <p:sldId id="257" r:id="rId5"/>
     <p:sldId id="259" r:id="rId6"/>
+    <p:sldId id="261" r:id="rId7"/>
   </p:sldIdLst>
   <p:sldSz cx="12192000" cy="6858000"/>
   <p:notesSz cx="6858000" cy="9144000"/>
@@ -839,7 +840,7 @@
             <a:fld id="{B61BEF0D-F0BB-DE4B-95CE-6DB70DBA9567}" type="datetimeFigureOut">
               <a:rPr lang="en-US" dirty="0"/>
               <a:pPr/>
-              <a:t>4/19/2021</a:t>
+              <a:t>4/20/2021</a:t>
             </a:fld>
             <a:endParaRPr lang="en-US" dirty="0"/>
           </a:p>
@@ -1087,7 +1088,7 @@
             <a:fld id="{B61BEF0D-F0BB-DE4B-95CE-6DB70DBA9567}" type="datetimeFigureOut">
               <a:rPr lang="en-US" dirty="0"/>
               <a:pPr/>
-              <a:t>4/19/2021</a:t>
+              <a:t>4/20/2021</a:t>
             </a:fld>
             <a:endParaRPr lang="en-US" dirty="0"/>
           </a:p>
@@ -1398,7 +1399,7 @@
             <a:fld id="{B61BEF0D-F0BB-DE4B-95CE-6DB70DBA9567}" type="datetimeFigureOut">
               <a:rPr lang="en-US" dirty="0"/>
               <a:pPr/>
-              <a:t>4/19/2021</a:t>
+              <a:t>4/20/2021</a:t>
             </a:fld>
             <a:endParaRPr lang="en-US" dirty="0"/>
           </a:p>
@@ -1736,7 +1737,7 @@
             <a:fld id="{B61BEF0D-F0BB-DE4B-95CE-6DB70DBA9567}" type="datetimeFigureOut">
               <a:rPr lang="en-US" dirty="0"/>
               <a:pPr/>
-              <a:t>4/19/2021</a:t>
+              <a:t>4/20/2021</a:t>
             </a:fld>
             <a:endParaRPr lang="en-US" dirty="0"/>
           </a:p>
@@ -2047,7 +2048,7 @@
             <a:fld id="{B61BEF0D-F0BB-DE4B-95CE-6DB70DBA9567}" type="datetimeFigureOut">
               <a:rPr lang="en-US" dirty="0"/>
               <a:pPr/>
-              <a:t>4/19/2021</a:t>
+              <a:t>4/20/2021</a:t>
             </a:fld>
             <a:endParaRPr lang="en-US" dirty="0"/>
           </a:p>
@@ -2437,7 +2438,7 @@
             <a:fld id="{B61BEF0D-F0BB-DE4B-95CE-6DB70DBA9567}" type="datetimeFigureOut">
               <a:rPr lang="en-US" dirty="0"/>
               <a:pPr/>
-              <a:t>4/19/2021</a:t>
+              <a:t>4/20/2021</a:t>
             </a:fld>
             <a:endParaRPr lang="en-US" dirty="0"/>
           </a:p>
@@ -2603,7 +2604,7 @@
           <a:p>
             <a:fld id="{55C6B4A9-1611-4792-9094-5F34BCA07E0B}" type="datetimeFigureOut">
               <a:rPr lang="en-US" dirty="0"/>
-              <a:t>4/19/2021</a:t>
+              <a:t>4/20/2021</a:t>
             </a:fld>
             <a:endParaRPr lang="en-US" dirty="0"/>
           </a:p>
@@ -2779,7 +2780,7 @@
             <a:fld id="{B61BEF0D-F0BB-DE4B-95CE-6DB70DBA9567}" type="datetimeFigureOut">
               <a:rPr lang="en-US" dirty="0"/>
               <a:pPr/>
-              <a:t>4/19/2021</a:t>
+              <a:t>4/20/2021</a:t>
             </a:fld>
             <a:endParaRPr lang="en-US" dirty="0"/>
           </a:p>
@@ -2952,7 +2953,7 @@
             <a:fld id="{B61BEF0D-F0BB-DE4B-95CE-6DB70DBA9567}" type="datetimeFigureOut">
               <a:rPr lang="en-US" dirty="0"/>
               <a:pPr/>
-              <a:t>4/19/2021</a:t>
+              <a:t>4/20/2021</a:t>
             </a:fld>
             <a:endParaRPr lang="en-US" dirty="0"/>
           </a:p>
@@ -3196,7 +3197,7 @@
             <a:fld id="{B61BEF0D-F0BB-DE4B-95CE-6DB70DBA9567}" type="datetimeFigureOut">
               <a:rPr lang="en-US" dirty="0"/>
               <a:pPr/>
-              <a:t>4/19/2021</a:t>
+              <a:t>4/20/2021</a:t>
             </a:fld>
             <a:endParaRPr lang="en-US" dirty="0"/>
           </a:p>
@@ -3424,7 +3425,7 @@
           <a:p>
             <a:fld id="{EB712588-04B1-427B-82EE-E8DB90309F08}" type="datetimeFigureOut">
               <a:rPr lang="en-US" dirty="0"/>
-              <a:t>4/19/2021</a:t>
+              <a:t>4/20/2021</a:t>
             </a:fld>
             <a:endParaRPr lang="en-US" dirty="0"/>
           </a:p>
@@ -3794,7 +3795,7 @@
             <a:fld id="{B61BEF0D-F0BB-DE4B-95CE-6DB70DBA9567}" type="datetimeFigureOut">
               <a:rPr lang="en-US" dirty="0"/>
               <a:pPr/>
-              <a:t>4/19/2021</a:t>
+              <a:t>4/20/2021</a:t>
             </a:fld>
             <a:endParaRPr lang="en-US" dirty="0"/>
           </a:p>
@@ -3914,7 +3915,7 @@
             <a:fld id="{B61BEF0D-F0BB-DE4B-95CE-6DB70DBA9567}" type="datetimeFigureOut">
               <a:rPr lang="en-US" dirty="0"/>
               <a:pPr/>
-              <a:t>4/19/2021</a:t>
+              <a:t>4/20/2021</a:t>
             </a:fld>
             <a:endParaRPr lang="en-US" dirty="0"/>
           </a:p>
@@ -4006,7 +4007,7 @@
             <a:fld id="{B61BEF0D-F0BB-DE4B-95CE-6DB70DBA9567}" type="datetimeFigureOut">
               <a:rPr lang="en-US" dirty="0"/>
               <a:pPr/>
-              <a:t>4/19/2021</a:t>
+              <a:t>4/20/2021</a:t>
             </a:fld>
             <a:endParaRPr lang="en-US" dirty="0"/>
           </a:p>
@@ -4257,7 +4258,7 @@
           <a:p>
             <a:fld id="{42A54C80-263E-416B-A8E0-580EDEADCBDC}" type="datetimeFigureOut">
               <a:rPr lang="en-US" dirty="0"/>
-              <a:t>4/19/2021</a:t>
+              <a:t>4/20/2021</a:t>
             </a:fld>
             <a:endParaRPr lang="en-US" dirty="0"/>
           </a:p>
@@ -4516,7 +4517,7 @@
             <a:fld id="{B61BEF0D-F0BB-DE4B-95CE-6DB70DBA9567}" type="datetimeFigureOut">
               <a:rPr lang="en-US" dirty="0"/>
               <a:pPr/>
-              <a:t>4/19/2021</a:t>
+              <a:t>4/20/2021</a:t>
             </a:fld>
             <a:endParaRPr lang="en-US" dirty="0"/>
           </a:p>
@@ -5256,7 +5257,7 @@
             <a:fld id="{B61BEF0D-F0BB-DE4B-95CE-6DB70DBA9567}" type="datetimeFigureOut">
               <a:rPr lang="en-US" dirty="0"/>
               <a:pPr/>
-              <a:t>4/19/2021</a:t>
+              <a:t>4/20/2021</a:t>
             </a:fld>
             <a:endParaRPr lang="en-US" dirty="0"/>
           </a:p>
@@ -5798,10 +5799,18 @@
           <a:lstStyle/>
           <a:p>
             <a:r>
-              <a:rPr lang="en-US" altLang="zh-TW" dirty="0"/>
+              <a:rPr lang="en-US" altLang="zh-TW" dirty="0">
+                <a:solidFill>
+                  <a:srgbClr val="0070C0"/>
+                </a:solidFill>
+              </a:rPr>
               <a:t>Google TensorFlow 2</a:t>
             </a:r>
-            <a:endParaRPr lang="zh-TW" altLang="en-US" dirty="0"/>
+            <a:endParaRPr lang="zh-TW" altLang="en-US" dirty="0">
+              <a:solidFill>
+                <a:srgbClr val="0070C0"/>
+              </a:solidFill>
+            </a:endParaRPr>
           </a:p>
         </p:txBody>
       </p:sp>
@@ -5898,35 +5907,68 @@
           <a:lstStyle/>
           <a:p>
             <a:r>
-              <a:rPr lang="zh-TW" altLang="en-US" dirty="0"/>
+              <a:rPr lang="zh-TW" altLang="en-US" dirty="0">
+                <a:solidFill>
+                  <a:schemeClr val="tx1"/>
+                </a:solidFill>
+              </a:rPr>
               <a:t>一步一步學深度學習</a:t>
             </a:r>
             <a:r>
-              <a:rPr lang="en-US" altLang="zh-TW" dirty="0"/>
+              <a:rPr lang="en-US" altLang="zh-TW" dirty="0">
+                <a:solidFill>
+                  <a:schemeClr val="tx1"/>
+                </a:solidFill>
+              </a:rPr>
               <a:t>:</a:t>
             </a:r>
             <a:r>
-              <a:rPr lang="zh-TW" altLang="en-US" dirty="0"/>
+              <a:rPr lang="zh-TW" altLang="en-US" dirty="0">
+                <a:solidFill>
+                  <a:schemeClr val="tx1"/>
+                </a:solidFill>
+              </a:rPr>
               <a:t>  </a:t>
             </a:r>
             <a:r>
               <a:rPr lang="zh-TW" altLang="en-US" b="0" i="0" dirty="0">
+                <a:solidFill>
+                  <a:srgbClr val="99CA3C"/>
+                </a:solidFill>
                 <a:effectLst/>
                 <a:latin typeface="Roboto"/>
-                <a:hlinkClick r:id="rId2"/>
+                <a:hlinkClick r:id="rId2">
+                  <a:extLst>
+                    <a:ext uri="{A12FA001-AC4F-418D-AE19-62706E023703}">
+                      <ahyp:hlinkClr xmlns:ahyp="http://schemas.microsoft.com/office/drawing/2018/hyperlinkcolor" val="tx"/>
+                    </a:ext>
+                  </a:extLst>
+                </a:hlinkClick>
               </a:rPr>
               <a:t>莫烦</a:t>
             </a:r>
             <a:r>
               <a:rPr lang="en-US" altLang="zh-TW" b="0" i="0" dirty="0">
+                <a:solidFill>
+                  <a:schemeClr val="tx1"/>
+                </a:solidFill>
                 <a:effectLst/>
                 <a:latin typeface="Roboto"/>
-                <a:hlinkClick r:id="rId2"/>
+                <a:hlinkClick r:id="rId2">
+                  <a:extLst>
+                    <a:ext uri="{A12FA001-AC4F-418D-AE19-62706E023703}">
+                      <ahyp:hlinkClr xmlns:ahyp="http://schemas.microsoft.com/office/drawing/2018/hyperlinkcolor" val="tx"/>
+                    </a:ext>
+                  </a:extLst>
+                </a:hlinkClick>
               </a:rPr>
               <a:t>Python</a:t>
             </a:r>
             <a:r>
               <a:rPr lang="en-US" altLang="zh-TW" b="0" i="0" dirty="0">
+                <a:solidFill>
+                  <a:schemeClr val="tx1"/>
+                </a:solidFill>
                 <a:effectLst/>
                 <a:latin typeface="Roboto"/>
               </a:rPr>
@@ -5934,19 +5976,29 @@
             </a:r>
             <a:r>
               <a:rPr lang="zh-TW" altLang="en-US" b="0" i="0" dirty="0">
+                <a:solidFill>
+                  <a:schemeClr val="tx1"/>
+                </a:solidFill>
                 <a:effectLst/>
                 <a:latin typeface="Roboto"/>
               </a:rPr>
               <a:t>個</a:t>
             </a:r>
             <a:r>
-              <a:rPr lang="en-US" altLang="zh-TW" b="0" i="0">
+              <a:rPr lang="en-US" altLang="zh-TW" b="0" i="0" dirty="0">
+                <a:solidFill>
+                  <a:schemeClr val="tx1"/>
+                </a:solidFill>
                 <a:effectLst/>
                 <a:latin typeface="Roboto"/>
               </a:rPr>
               <a:t>video)</a:t>
             </a:r>
-            <a:endParaRPr lang="zh-TW" altLang="en-US" dirty="0"/>
+            <a:endParaRPr lang="zh-TW" altLang="en-US" dirty="0">
+              <a:solidFill>
+                <a:schemeClr val="tx1"/>
+              </a:solidFill>
+            </a:endParaRPr>
           </a:p>
         </p:txBody>
       </p:sp>
@@ -6036,10 +6088,18 @@
           <a:lstStyle/>
           <a:p>
             <a:r>
-              <a:rPr lang="en-US" altLang="zh-TW" dirty="0"/>
+              <a:rPr lang="en-US" altLang="zh-TW" dirty="0">
+                <a:solidFill>
+                  <a:schemeClr val="tx1"/>
+                </a:solidFill>
+              </a:rPr>
               <a:t>Install environment in window10</a:t>
             </a:r>
-            <a:endParaRPr lang="zh-TW" altLang="en-US" dirty="0"/>
+            <a:endParaRPr lang="zh-TW" altLang="en-US" dirty="0">
+              <a:solidFill>
+                <a:schemeClr val="tx1"/>
+              </a:solidFill>
+            </a:endParaRPr>
           </a:p>
         </p:txBody>
       </p:sp>
@@ -6144,22 +6204,42 @@
           <a:lstStyle/>
           <a:p>
             <a:r>
-              <a:rPr lang="en-US" altLang="zh-TW" dirty="0" err="1"/>
+              <a:rPr lang="en-US" altLang="zh-TW" dirty="0" err="1">
+                <a:solidFill>
+                  <a:schemeClr val="tx1"/>
+                </a:solidFill>
+              </a:rPr>
               <a:t>Colab</a:t>
             </a:r>
             <a:r>
-              <a:rPr lang="en-US" altLang="zh-TW" dirty="0"/>
+              <a:rPr lang="en-US" altLang="zh-TW" dirty="0">
+                <a:solidFill>
+                  <a:schemeClr val="tx1"/>
+                </a:solidFill>
+              </a:rPr>
               <a:t> </a:t>
             </a:r>
             <a:r>
-              <a:rPr lang="zh-TW" altLang="en-US" dirty="0"/>
+              <a:rPr lang="zh-TW" altLang="en-US" dirty="0">
+                <a:solidFill>
+                  <a:schemeClr val="tx1"/>
+                </a:solidFill>
+              </a:rPr>
               <a:t>教學 </a:t>
             </a:r>
             <a:r>
-              <a:rPr lang="en-US" altLang="zh-TW" dirty="0"/>
+              <a:rPr lang="en-US" altLang="zh-TW" dirty="0">
+                <a:solidFill>
+                  <a:schemeClr val="tx1"/>
+                </a:solidFill>
+              </a:rPr>
               <a:t>– Cloud based Jupiter notebook</a:t>
             </a:r>
-            <a:endParaRPr lang="zh-TW" altLang="en-US" dirty="0"/>
+            <a:endParaRPr lang="zh-TW" altLang="en-US" dirty="0">
+              <a:solidFill>
+                <a:schemeClr val="tx1"/>
+              </a:solidFill>
+            </a:endParaRPr>
           </a:p>
         </p:txBody>
       </p:sp>
@@ -6435,6 +6515,155 @@
     <p:extLst>
       <p:ext uri="{BB962C8B-B14F-4D97-AF65-F5344CB8AC3E}">
         <p14:creationId xmlns:p14="http://schemas.microsoft.com/office/powerpoint/2010/main" val="1995859590"/>
+      </p:ext>
+    </p:extLst>
+  </p:cSld>
+  <p:clrMapOvr>
+    <a:masterClrMapping/>
+  </p:clrMapOvr>
+</p:sld>
+</file>
+
+<file path=ppt/slides/slide6.xml><?xml version="1.0" encoding="utf-8"?>
+<p:sld xmlns:a="http://schemas.openxmlformats.org/drawingml/2006/main" xmlns:r="http://schemas.openxmlformats.org/officeDocument/2006/relationships" xmlns:p="http://schemas.openxmlformats.org/presentationml/2006/main">
+  <p:cSld>
+    <p:spTree>
+      <p:nvGrpSpPr>
+        <p:cNvPr id="1" name=""/>
+        <p:cNvGrpSpPr/>
+        <p:nvPr/>
+      </p:nvGrpSpPr>
+      <p:grpSpPr>
+        <a:xfrm>
+          <a:off x="0" y="0"/>
+          <a:ext cx="0" cy="0"/>
+          <a:chOff x="0" y="0"/>
+          <a:chExt cx="0" cy="0"/>
+        </a:xfrm>
+      </p:grpSpPr>
+      <p:sp>
+        <p:nvSpPr>
+          <p:cNvPr id="2" name="標題 1">
+            <a:extLst>
+              <a:ext uri="{FF2B5EF4-FFF2-40B4-BE49-F238E27FC236}">
+                <a16:creationId xmlns:a16="http://schemas.microsoft.com/office/drawing/2014/main" id="{C5CBF111-E3BA-4DD6-8A70-DD4C0FABC6E0}"/>
+              </a:ext>
+            </a:extLst>
+          </p:cNvPr>
+          <p:cNvSpPr>
+            <a:spLocks noGrp="1"/>
+          </p:cNvSpPr>
+          <p:nvPr>
+            <p:ph type="title"/>
+          </p:nvPr>
+        </p:nvSpPr>
+        <p:spPr/>
+        <p:txBody>
+          <a:bodyPr>
+            <a:normAutofit fontScale="90000"/>
+          </a:bodyPr>
+          <a:lstStyle/>
+          <a:p>
+            <a:r>
+              <a:rPr lang="en-US" altLang="zh-TW" b="0" i="0" dirty="0">
+                <a:solidFill>
+                  <a:schemeClr val="tx1"/>
+                </a:solidFill>
+                <a:effectLst/>
+                <a:latin typeface="Roboto"/>
+              </a:rPr>
+              <a:t>【TensorFlow 2.0 </a:t>
+            </a:r>
+            <a:r>
+              <a:rPr lang="zh-TW" altLang="en-US" b="0" i="0" dirty="0">
+                <a:solidFill>
+                  <a:schemeClr val="tx1"/>
+                </a:solidFill>
+                <a:effectLst/>
+                <a:latin typeface="Roboto"/>
+              </a:rPr>
+              <a:t>系列教程</a:t>
+            </a:r>
+            <a:r>
+              <a:rPr lang="en-US" altLang="zh-TW" b="0" i="0" dirty="0">
+                <a:solidFill>
+                  <a:schemeClr val="tx1"/>
+                </a:solidFill>
+                <a:effectLst/>
+                <a:latin typeface="Roboto"/>
+              </a:rPr>
+              <a:t>】</a:t>
+            </a:r>
+            <a:r>
+              <a:rPr lang="zh-TW" altLang="en-US" dirty="0">
+                <a:solidFill>
+                  <a:schemeClr val="tx1"/>
+                </a:solidFill>
+                <a:latin typeface="Roboto"/>
+              </a:rPr>
+              <a:t>五堂</a:t>
+            </a:r>
+            <a:r>
+              <a:rPr lang="zh-TW" altLang="en-US" b="0" i="0" dirty="0">
+                <a:solidFill>
+                  <a:schemeClr val="tx1"/>
+                </a:solidFill>
+                <a:effectLst/>
+                <a:latin typeface="Roboto"/>
+              </a:rPr>
+              <a:t>课</a:t>
+            </a:r>
+            <a:br>
+              <a:rPr lang="zh-TW" altLang="en-US" b="0" i="0" dirty="0">
+                <a:effectLst/>
+                <a:latin typeface="Roboto"/>
+              </a:rPr>
+            </a:br>
+            <a:br>
+              <a:rPr lang="en-US" altLang="zh-TW" b="0" i="0" dirty="0">
+                <a:effectLst/>
+                <a:latin typeface="Roboto"/>
+              </a:rPr>
+            </a:br>
+            <a:endParaRPr lang="zh-TW" altLang="en-US" dirty="0"/>
+          </a:p>
+        </p:txBody>
+      </p:sp>
+      <p:sp>
+        <p:nvSpPr>
+          <p:cNvPr id="3" name="內容版面配置區 2">
+            <a:extLst>
+              <a:ext uri="{FF2B5EF4-FFF2-40B4-BE49-F238E27FC236}">
+                <a16:creationId xmlns:a16="http://schemas.microsoft.com/office/drawing/2014/main" id="{6F83858C-8467-465F-B8FB-665E69425E5C}"/>
+              </a:ext>
+            </a:extLst>
+          </p:cNvPr>
+          <p:cNvSpPr>
+            <a:spLocks noGrp="1"/>
+          </p:cNvSpPr>
+          <p:nvPr>
+            <p:ph idx="1"/>
+          </p:nvPr>
+        </p:nvSpPr>
+        <p:spPr/>
+        <p:txBody>
+          <a:bodyPr/>
+          <a:lstStyle/>
+          <a:p>
+            <a:r>
+              <a:rPr lang="en-US" altLang="zh-TW" dirty="0">
+                <a:hlinkClick r:id="rId2"/>
+              </a:rPr>
+              <a:t>https://www.youtube.com/watch?v=48rrIqnKM90</a:t>
+            </a:r>
+            <a:endParaRPr lang="zh-TW" altLang="en-US" dirty="0"/>
+          </a:p>
+        </p:txBody>
+      </p:sp>
+    </p:spTree>
+    <p:extLst>
+      <p:ext uri="{BB962C8B-B14F-4D97-AF65-F5344CB8AC3E}">
+        <p14:creationId xmlns:p14="http://schemas.microsoft.com/office/powerpoint/2010/main" val="810292736"/>
       </p:ext>
     </p:extLst>
   </p:cSld>

--- a/Google TensorFlow 2.pptx
+++ b/Google TensorFlow 2.pptx
@@ -9,8 +9,9 @@
     <p:sldId id="258" r:id="rId3"/>
     <p:sldId id="260" r:id="rId4"/>
     <p:sldId id="257" r:id="rId5"/>
-    <p:sldId id="259" r:id="rId6"/>
-    <p:sldId id="261" r:id="rId7"/>
+    <p:sldId id="262" r:id="rId6"/>
+    <p:sldId id="259" r:id="rId7"/>
+    <p:sldId id="261" r:id="rId8"/>
   </p:sldIdLst>
   <p:sldSz cx="12192000" cy="6858000"/>
   <p:notesSz cx="6858000" cy="9144000"/>
@@ -5855,6 +5856,77 @@
           </a:p>
         </p:txBody>
       </p:sp>
+      <p:sp>
+        <p:nvSpPr>
+          <p:cNvPr id="4" name="文字方塊 3">
+            <a:extLst>
+              <a:ext uri="{FF2B5EF4-FFF2-40B4-BE49-F238E27FC236}">
+                <a16:creationId xmlns:a16="http://schemas.microsoft.com/office/drawing/2014/main" id="{842D96B8-2E85-4DAA-AF86-F2EF5C22287F}"/>
+              </a:ext>
+            </a:extLst>
+          </p:cNvPr>
+          <p:cNvSpPr txBox="1"/>
+          <p:nvPr/>
+        </p:nvSpPr>
+        <p:spPr>
+          <a:xfrm>
+            <a:off x="828675" y="5286375"/>
+            <a:ext cx="9648795" cy="646331"/>
+          </a:xfrm>
+          <a:prstGeom prst="rect">
+            <a:avLst/>
+          </a:prstGeom>
+          <a:noFill/>
+        </p:spPr>
+        <p:txBody>
+          <a:bodyPr wrap="none" rtlCol="0">
+            <a:spAutoFit/>
+          </a:bodyPr>
+          <a:lstStyle/>
+          <a:p>
+            <a:r>
+              <a:rPr lang="zh-TW" altLang="en-US" b="0" i="1" dirty="0">
+                <a:solidFill>
+                  <a:srgbClr val="1D2129"/>
+                </a:solidFill>
+                <a:effectLst/>
+                <a:latin typeface="Helvetica" panose="020B0604020202020204" pitchFamily="34" charset="0"/>
+              </a:rPr>
+              <a:t>「很多事情就像是旅行一樣，當你決定要出發的時候，最困難的那部分其實就已經完成了。」</a:t>
+            </a:r>
+            <a:endParaRPr lang="en-US" altLang="zh-TW" b="0" i="1" dirty="0">
+              <a:solidFill>
+                <a:srgbClr val="1D2129"/>
+              </a:solidFill>
+              <a:effectLst/>
+              <a:latin typeface="Helvetica" panose="020B0604020202020204" pitchFamily="34" charset="0"/>
+            </a:endParaRPr>
+          </a:p>
+          <a:p>
+            <a:r>
+              <a:rPr lang="en-US" altLang="zh-TW" b="0" i="1" dirty="0">
+                <a:solidFill>
+                  <a:srgbClr val="1D2129"/>
+                </a:solidFill>
+                <a:effectLst/>
+                <a:latin typeface="Helvetica" panose="020B0604020202020204" pitchFamily="34" charset="0"/>
+              </a:rPr>
+              <a:t>——</a:t>
+            </a:r>
+            <a:r>
+              <a:rPr lang="zh-TW" altLang="en-US" b="0" i="1" dirty="0">
+                <a:solidFill>
+                  <a:srgbClr val="1D2129"/>
+                </a:solidFill>
+                <a:effectLst/>
+                <a:latin typeface="Helvetica" panose="020B0604020202020204" pitchFamily="34" charset="0"/>
+              </a:rPr>
+              <a:t>盧思浩</a:t>
+            </a:r>
+            <a:endParaRPr lang="zh-TW" altLang="en-US" i="1" dirty="0"/>
+          </a:p>
+        </p:txBody>
+      </p:sp>
     </p:spTree>
     <p:extLst>
       <p:ext uri="{BB962C8B-B14F-4D97-AF65-F5344CB8AC3E}">
@@ -6429,6 +6501,122 @@
           <p:cNvPr id="2" name="標題 1">
             <a:extLst>
               <a:ext uri="{FF2B5EF4-FFF2-40B4-BE49-F238E27FC236}">
+                <a16:creationId xmlns:a16="http://schemas.microsoft.com/office/drawing/2014/main" id="{BD12034F-F575-484E-9494-784B5412FA6F}"/>
+              </a:ext>
+            </a:extLst>
+          </p:cNvPr>
+          <p:cNvSpPr>
+            <a:spLocks noGrp="1"/>
+          </p:cNvSpPr>
+          <p:nvPr>
+            <p:ph type="title"/>
+          </p:nvPr>
+        </p:nvSpPr>
+        <p:spPr/>
+        <p:txBody>
+          <a:bodyPr/>
+          <a:lstStyle/>
+          <a:p>
+            <a:r>
+              <a:rPr lang="zh-TW" altLang="en-US" b="0" i="0" dirty="0">
+                <a:solidFill>
+                  <a:srgbClr val="0D0A0B"/>
+                </a:solidFill>
+                <a:effectLst/>
+                <a:latin typeface="montserrat-regular"/>
+              </a:rPr>
+              <a:t>神經網路與線性代數之間的緊密關係，奠定 </a:t>
+            </a:r>
+            <a:r>
+              <a:rPr lang="en-US" altLang="zh-TW" b="0" i="0" dirty="0">
+                <a:solidFill>
+                  <a:srgbClr val="0D0A0B"/>
+                </a:solidFill>
+                <a:effectLst/>
+                <a:latin typeface="montserrat-regular"/>
+              </a:rPr>
+              <a:t>AI </a:t>
+            </a:r>
+            <a:r>
+              <a:rPr lang="zh-TW" altLang="en-US" b="0" i="0" dirty="0">
+                <a:solidFill>
+                  <a:srgbClr val="0D0A0B"/>
+                </a:solidFill>
+                <a:effectLst/>
+                <a:latin typeface="montserrat-regular"/>
+              </a:rPr>
+              <a:t>之旅的基礎</a:t>
+            </a:r>
+            <a:endParaRPr lang="zh-TW" altLang="en-US" dirty="0"/>
+          </a:p>
+        </p:txBody>
+      </p:sp>
+      <p:sp>
+        <p:nvSpPr>
+          <p:cNvPr id="3" name="內容版面配置區 2">
+            <a:extLst>
+              <a:ext uri="{FF2B5EF4-FFF2-40B4-BE49-F238E27FC236}">
+                <a16:creationId xmlns:a16="http://schemas.microsoft.com/office/drawing/2014/main" id="{98AFBFF1-EE0D-470C-A019-3061C2FEEBB5}"/>
+              </a:ext>
+            </a:extLst>
+          </p:cNvPr>
+          <p:cNvSpPr>
+            <a:spLocks noGrp="1"/>
+          </p:cNvSpPr>
+          <p:nvPr>
+            <p:ph idx="1"/>
+          </p:nvPr>
+        </p:nvSpPr>
+        <p:spPr/>
+        <p:txBody>
+          <a:bodyPr/>
+          <a:lstStyle/>
+          <a:p>
+            <a:r>
+              <a:rPr lang="en-US" altLang="zh-TW" dirty="0">
+                <a:hlinkClick r:id="rId2"/>
+              </a:rPr>
+              <a:t>https://leemeng.tw/deep-learning-for-everyone-understand-neural-net-and-linear-algebra.html</a:t>
+            </a:r>
+            <a:endParaRPr lang="zh-TW" altLang="en-US" dirty="0"/>
+          </a:p>
+        </p:txBody>
+      </p:sp>
+    </p:spTree>
+    <p:extLst>
+      <p:ext uri="{BB962C8B-B14F-4D97-AF65-F5344CB8AC3E}">
+        <p14:creationId xmlns:p14="http://schemas.microsoft.com/office/powerpoint/2010/main" val="2852611525"/>
+      </p:ext>
+    </p:extLst>
+  </p:cSld>
+  <p:clrMapOvr>
+    <a:masterClrMapping/>
+  </p:clrMapOvr>
+</p:sld>
+</file>
+
+<file path=ppt/slides/slide6.xml><?xml version="1.0" encoding="utf-8"?>
+<p:sld xmlns:a="http://schemas.openxmlformats.org/drawingml/2006/main" xmlns:r="http://schemas.openxmlformats.org/officeDocument/2006/relationships" xmlns:p="http://schemas.openxmlformats.org/presentationml/2006/main">
+  <p:cSld>
+    <p:spTree>
+      <p:nvGrpSpPr>
+        <p:cNvPr id="1" name=""/>
+        <p:cNvGrpSpPr/>
+        <p:nvPr/>
+      </p:nvGrpSpPr>
+      <p:grpSpPr>
+        <a:xfrm>
+          <a:off x="0" y="0"/>
+          <a:ext cx="0" cy="0"/>
+          <a:chOff x="0" y="0"/>
+          <a:chExt cx="0" cy="0"/>
+        </a:xfrm>
+      </p:grpSpPr>
+      <p:sp>
+        <p:nvSpPr>
+          <p:cNvPr id="2" name="標題 1">
+            <a:extLst>
+              <a:ext uri="{FF2B5EF4-FFF2-40B4-BE49-F238E27FC236}">
                 <a16:creationId xmlns:a16="http://schemas.microsoft.com/office/drawing/2014/main" id="{DF072F65-64EE-4F56-B995-242F92D39FC0}"/>
               </a:ext>
             </a:extLst>
@@ -6524,7 +6712,7 @@
 </p:sld>
 </file>
 
-<file path=ppt/slides/slide6.xml><?xml version="1.0" encoding="utf-8"?>
+<file path=ppt/slides/slide7.xml><?xml version="1.0" encoding="utf-8"?>
 <p:sld xmlns:a="http://schemas.openxmlformats.org/drawingml/2006/main" xmlns:r="http://schemas.openxmlformats.org/officeDocument/2006/relationships" xmlns:p="http://schemas.openxmlformats.org/presentationml/2006/main">
   <p:cSld>
     <p:spTree>
